--- a/poster/Nicolas_BBC13_Poster.pptx
+++ b/poster/Nicolas_BBC13_Poster.pptx
@@ -294,7 +294,7 @@
           <a:p>
             <a:fld id="{E30DFA55-EFAB-4E4F-A943-8160F6DE55B2}" type="datetimeFigureOut">
               <a:rPr lang="en-US" smtClean="0"/>
-              <a:t>12/2/2013</a:t>
+              <a:t>12/3/2013</a:t>
             </a:fld>
             <a:endParaRPr lang="en-US"/>
           </a:p>
@@ -464,7 +464,7 @@
           <a:p>
             <a:fld id="{E30DFA55-EFAB-4E4F-A943-8160F6DE55B2}" type="datetimeFigureOut">
               <a:rPr lang="en-US" smtClean="0"/>
-              <a:t>12/2/2013</a:t>
+              <a:t>12/3/2013</a:t>
             </a:fld>
             <a:endParaRPr lang="en-US"/>
           </a:p>
@@ -644,7 +644,7 @@
           <a:p>
             <a:fld id="{E30DFA55-EFAB-4E4F-A943-8160F6DE55B2}" type="datetimeFigureOut">
               <a:rPr lang="en-US" smtClean="0"/>
-              <a:t>12/2/2013</a:t>
+              <a:t>12/3/2013</a:t>
             </a:fld>
             <a:endParaRPr lang="en-US"/>
           </a:p>
@@ -814,7 +814,7 @@
           <a:p>
             <a:fld id="{E30DFA55-EFAB-4E4F-A943-8160F6DE55B2}" type="datetimeFigureOut">
               <a:rPr lang="en-US" smtClean="0"/>
-              <a:t>12/2/2013</a:t>
+              <a:t>12/3/2013</a:t>
             </a:fld>
             <a:endParaRPr lang="en-US"/>
           </a:p>
@@ -1060,7 +1060,7 @@
           <a:p>
             <a:fld id="{E30DFA55-EFAB-4E4F-A943-8160F6DE55B2}" type="datetimeFigureOut">
               <a:rPr lang="en-US" smtClean="0"/>
-              <a:t>12/2/2013</a:t>
+              <a:t>12/3/2013</a:t>
             </a:fld>
             <a:endParaRPr lang="en-US"/>
           </a:p>
@@ -1348,7 +1348,7 @@
           <a:p>
             <a:fld id="{E30DFA55-EFAB-4E4F-A943-8160F6DE55B2}" type="datetimeFigureOut">
               <a:rPr lang="en-US" smtClean="0"/>
-              <a:t>12/2/2013</a:t>
+              <a:t>12/3/2013</a:t>
             </a:fld>
             <a:endParaRPr lang="en-US"/>
           </a:p>
@@ -1770,7 +1770,7 @@
           <a:p>
             <a:fld id="{E30DFA55-EFAB-4E4F-A943-8160F6DE55B2}" type="datetimeFigureOut">
               <a:rPr lang="en-US" smtClean="0"/>
-              <a:t>12/2/2013</a:t>
+              <a:t>12/3/2013</a:t>
             </a:fld>
             <a:endParaRPr lang="en-US"/>
           </a:p>
@@ -1888,7 +1888,7 @@
           <a:p>
             <a:fld id="{E30DFA55-EFAB-4E4F-A943-8160F6DE55B2}" type="datetimeFigureOut">
               <a:rPr lang="en-US" smtClean="0"/>
-              <a:t>12/2/2013</a:t>
+              <a:t>12/3/2013</a:t>
             </a:fld>
             <a:endParaRPr lang="en-US"/>
           </a:p>
@@ -1983,7 +1983,7 @@
           <a:p>
             <a:fld id="{E30DFA55-EFAB-4E4F-A943-8160F6DE55B2}" type="datetimeFigureOut">
               <a:rPr lang="en-US" smtClean="0"/>
-              <a:t>12/2/2013</a:t>
+              <a:t>12/3/2013</a:t>
             </a:fld>
             <a:endParaRPr lang="en-US"/>
           </a:p>
@@ -2260,7 +2260,7 @@
           <a:p>
             <a:fld id="{E30DFA55-EFAB-4E4F-A943-8160F6DE55B2}" type="datetimeFigureOut">
               <a:rPr lang="en-US" smtClean="0"/>
-              <a:t>12/2/2013</a:t>
+              <a:t>12/3/2013</a:t>
             </a:fld>
             <a:endParaRPr lang="en-US"/>
           </a:p>
@@ -2513,7 +2513,7 @@
           <a:p>
             <a:fld id="{E30DFA55-EFAB-4E4F-A943-8160F6DE55B2}" type="datetimeFigureOut">
               <a:rPr lang="en-US" smtClean="0"/>
-              <a:t>12/2/2013</a:t>
+              <a:t>12/3/2013</a:t>
             </a:fld>
             <a:endParaRPr lang="en-US"/>
           </a:p>
@@ -2726,7 +2726,7 @@
           <a:p>
             <a:fld id="{E30DFA55-EFAB-4E4F-A943-8160F6DE55B2}" type="datetimeFigureOut">
               <a:rPr lang="en-US" smtClean="0"/>
-              <a:t>12/2/2013</a:t>
+              <a:t>12/3/2013</a:t>
             </a:fld>
             <a:endParaRPr lang="en-US"/>
           </a:p>
@@ -3109,8 +3109,8 @@
         </p:nvSpPr>
         <p:spPr>
           <a:xfrm>
-            <a:off x="1121580" y="8906106"/>
-            <a:ext cx="28490057" cy="5267654"/>
+            <a:off x="1157393" y="9119065"/>
+            <a:ext cx="28150477" cy="5267654"/>
           </a:xfrm>
           <a:prstGeom prst="rect">
             <a:avLst/>
@@ -3170,7 +3170,6 @@
               <a:rPr lang="en-US" sz="3600" dirty="0" smtClean="0"/>
               <a:t>time.</a:t>
             </a:r>
-            <a:endParaRPr lang="en-US" sz="3600" dirty="0" smtClean="0"/>
           </a:p>
         </p:txBody>
       </p:sp>
@@ -3220,11 +3219,7 @@
             </a:pPr>
             <a:r>
               <a:rPr lang="nl-BE" sz="3600" dirty="0" smtClean="0"/>
-              <a:t>For retention time prediction, we use </a:t>
-            </a:r>
-            <a:r>
-              <a:rPr lang="nl-BE" sz="3600" dirty="0" smtClean="0"/>
-              <a:t>ELUDE</a:t>
+              <a:t>For retention time prediction, we use ELUDE</a:t>
             </a:r>
             <a:r>
               <a:rPr lang="en-CA" sz="3600" baseline="30000" dirty="0"/>
@@ -3236,15 +3231,7 @@
             </a:r>
             <a:r>
               <a:rPr lang="nl-BE" sz="3600" dirty="0" smtClean="0"/>
-              <a:t> </a:t>
-            </a:r>
-            <a:r>
-              <a:rPr lang="nl-BE" sz="3600" dirty="0" smtClean="0"/>
-              <a:t>as trained on data stored in </a:t>
-            </a:r>
-            <a:r>
-              <a:rPr lang="nl-BE" sz="3600" dirty="0" smtClean="0"/>
-              <a:t>our MS-LIMS</a:t>
+              <a:t> as trained on data stored in our MS-LIMS</a:t>
             </a:r>
             <a:r>
               <a:rPr lang="en-CA" sz="3600" baseline="30000" dirty="0" smtClean="0"/>
@@ -3256,23 +3243,7 @@
             </a:r>
             <a:r>
               <a:rPr lang="nl-BE" sz="3600" dirty="0" smtClean="0"/>
-              <a:t> in-house data repository. </a:t>
-            </a:r>
-            <a:r>
-              <a:rPr lang="nl-BE" sz="3600" dirty="0" smtClean="0"/>
-              <a:t>The experiments selected to train ELUDE all come from the Thermo-Finigan LTQ-Orbitrap </a:t>
-            </a:r>
-            <a:r>
-              <a:rPr lang="nl-BE" sz="3600" dirty="0" smtClean="0"/>
-              <a:t>Velos. To </a:t>
-            </a:r>
-            <a:r>
-              <a:rPr lang="nl-BE" sz="3600" dirty="0" smtClean="0"/>
-              <a:t>test our hypothesis, we will apply the retention time prediction on the study 6 of the </a:t>
-            </a:r>
-            <a:r>
-              <a:rPr lang="nl-BE" sz="3600" dirty="0" smtClean="0"/>
-              <a:t>CPTAC</a:t>
+              <a:t> in-house data repository. The experiments selected to train ELUDE all come from the Thermo-Finigan LTQ-Orbitrap Velos. To test our hypothesis, we will apply the retention time prediction on the study 6 of the CPTAC</a:t>
             </a:r>
             <a:r>
               <a:rPr lang="en-CA" sz="3600" baseline="30000" dirty="0" smtClean="0"/>
@@ -3284,13 +3255,8 @@
             </a:r>
             <a:r>
               <a:rPr lang="nl-BE" sz="3600" dirty="0" smtClean="0"/>
-              <a:t> </a:t>
-            </a:r>
-            <a:r>
-              <a:rPr lang="nl-BE" sz="3600" dirty="0" smtClean="0"/>
-              <a:t>experiment: 3 different laboratories running in triplicate samples of yeast and increasing concentrations of UPS48, a human protein. </a:t>
-            </a:r>
-            <a:endParaRPr lang="nl-BE" sz="3600" dirty="0" smtClean="0"/>
+              <a:t> experiment: 3 different laboratories running in triplicate samples of yeast and increasing concentrations of UPS48, a human protein. </a:t>
+            </a:r>
           </a:p>
           <a:p>
             <a:pPr algn="just">
@@ -3337,7 +3303,7 @@
         </p:nvSpPr>
         <p:spPr>
           <a:xfrm>
-            <a:off x="1182699" y="22763065"/>
+            <a:off x="1121580" y="22763065"/>
             <a:ext cx="13950938" cy="1012643"/>
           </a:xfrm>
           <a:prstGeom prst="rect">
@@ -3370,7 +3336,7 @@
         </p:nvSpPr>
         <p:spPr>
           <a:xfrm>
-            <a:off x="15461450" y="30806007"/>
+            <a:off x="15461548" y="31745568"/>
             <a:ext cx="13374778" cy="1328114"/>
           </a:xfrm>
           <a:prstGeom prst="rect">
@@ -3445,8 +3411,8 @@
         </p:nvSpPr>
         <p:spPr>
           <a:xfrm>
-            <a:off x="15694756" y="27225825"/>
-            <a:ext cx="13828700" cy="520201"/>
+            <a:off x="15232632" y="28567772"/>
+            <a:ext cx="14368613" cy="550979"/>
           </a:xfrm>
           <a:prstGeom prst="rect">
             <a:avLst/>
@@ -3461,22 +3427,18 @@
           <a:p>
             <a:pPr algn="ctr"/>
             <a:r>
-              <a:rPr lang="nl-BE" sz="2800" b="1" dirty="0" smtClean="0"/>
+              <a:rPr lang="nl-BE" sz="3000" b="1" dirty="0" smtClean="0"/>
               <a:t>Fig. 2</a:t>
             </a:r>
             <a:r>
-              <a:rPr lang="nl-BE" sz="2800" b="1" dirty="0"/>
+              <a:rPr lang="nl-BE" sz="3000" b="1" dirty="0"/>
               <a:t>. </a:t>
             </a:r>
             <a:r>
-              <a:rPr lang="nl-BE" sz="2800" b="1" dirty="0" smtClean="0"/>
-              <a:t>Limiting</a:t>
-            </a:r>
-            <a:r>
-              <a:rPr lang="nl-BE" sz="2800" b="1" dirty="0" smtClean="0"/>
-              <a:t> the chromatography gradient reduces the number of proteins identified</a:t>
-            </a:r>
-            <a:endParaRPr lang="en-US" sz="2800" b="1" dirty="0"/>
+              <a:rPr lang="nl-BE" sz="3000" b="1" dirty="0" smtClean="0"/>
+              <a:t>Limiting the chromatography gradient reduces the number of proteins identified</a:t>
+            </a:r>
+            <a:endParaRPr lang="en-US" sz="3000" b="1" dirty="0"/>
           </a:p>
         </p:txBody>
       </p:sp>
@@ -3638,7 +3600,11 @@
             </a:r>
             <a:r>
               <a:rPr lang="en-US" sz="3600" b="1" i="1" dirty="0" smtClean="0"/>
-              <a:t>Sven Degroeve</a:t>
+              <a:t>Sven </a:t>
+            </a:r>
+            <a:r>
+              <a:rPr lang="en-US" sz="3600" b="1" i="1" dirty="0" smtClean="0"/>
+              <a:t>Degroeve</a:t>
             </a:r>
             <a:r>
               <a:rPr lang="en-US" sz="3600" b="1" i="1" baseline="30000" dirty="0" smtClean="0"/>
@@ -3646,7 +3612,7 @@
             </a:r>
             <a:r>
               <a:rPr lang="en-US" sz="3600" b="1" i="1" dirty="0" smtClean="0"/>
-              <a:t> , </a:t>
+              <a:t>, </a:t>
             </a:r>
             <a:r>
               <a:rPr lang="en-US" sz="3600" b="1" i="1" dirty="0" err="1"/>
@@ -4101,8 +4067,8 @@
         </p:nvSpPr>
         <p:spPr>
           <a:xfrm>
-            <a:off x="1194576" y="32119576"/>
-            <a:ext cx="13024659" cy="954107"/>
+            <a:off x="1114212" y="32119575"/>
+            <a:ext cx="13179577" cy="1077218"/>
           </a:xfrm>
           <a:prstGeom prst="rect">
             <a:avLst/>
@@ -4116,18 +4082,18 @@
           <a:lstStyle/>
           <a:p>
             <a:r>
-              <a:rPr lang="nl-BE" sz="2800" b="1" dirty="0" smtClean="0"/>
+              <a:rPr lang="nl-BE" sz="3200" b="1" dirty="0" smtClean="0"/>
               <a:t>Fig </a:t>
             </a:r>
             <a:r>
-              <a:rPr lang="nl-BE" sz="2800" b="1" dirty="0"/>
+              <a:rPr lang="nl-BE" sz="3200" b="1" dirty="0"/>
               <a:t>1</a:t>
             </a:r>
             <a:r>
-              <a:rPr lang="nl-BE" sz="2800" b="1" dirty="0" smtClean="0"/>
+              <a:rPr lang="nl-BE" sz="3200" b="1" dirty="0" smtClean="0"/>
               <a:t>. Error in retention time prediction is lower in the middle of the gradient, but this difference is of limited impact for targeted proteomics</a:t>
             </a:r>
-            <a:endParaRPr lang="en-US" dirty="0"/>
+            <a:endParaRPr lang="en-US" sz="8800" dirty="0"/>
           </a:p>
         </p:txBody>
       </p:sp>
@@ -4195,9 +4161,252 @@
           </a:prstGeom>
         </p:spPr>
       </p:pic>
+      <p:sp>
+        <p:nvSpPr>
+          <p:cNvPr id="10" name="TextBox 9"/>
+          <p:cNvSpPr txBox="1"/>
+          <p:nvPr/>
+        </p:nvSpPr>
+        <p:spPr>
+          <a:xfrm>
+            <a:off x="15443357" y="29238732"/>
+            <a:ext cx="13624012" cy="2308324"/>
+          </a:xfrm>
+          <a:prstGeom prst="rect">
+            <a:avLst/>
+          </a:prstGeom>
+          <a:noFill/>
+        </p:spPr>
+        <p:txBody>
+          <a:bodyPr wrap="square" rtlCol="0">
+            <a:spAutoFit/>
+          </a:bodyPr>
+          <a:lstStyle/>
+          <a:p>
+            <a:pPr algn="just"/>
+            <a:r>
+              <a:rPr lang="en-US" sz="3600" dirty="0" smtClean="0"/>
+              <a:t>From an experimental point of view, reducing the gradient will affect negatively the proteome coverage. In fact, we could say that the gradient is already reduced because of the absence of MS2 spectra after 100 minutes.</a:t>
+            </a:r>
+            <a:endParaRPr lang="en-US" sz="3600" dirty="0"/>
+          </a:p>
+        </p:txBody>
+      </p:sp>
+      <p:sp>
+        <p:nvSpPr>
+          <p:cNvPr id="11" name="TextBox 10"/>
+          <p:cNvSpPr txBox="1"/>
+          <p:nvPr/>
+        </p:nvSpPr>
+        <p:spPr>
+          <a:xfrm>
+            <a:off x="15502831" y="33117547"/>
+            <a:ext cx="13769225" cy="4524315"/>
+          </a:xfrm>
+          <a:prstGeom prst="rect">
+            <a:avLst/>
+          </a:prstGeom>
+          <a:noFill/>
+        </p:spPr>
+        <p:txBody>
+          <a:bodyPr wrap="square" rtlCol="0">
+            <a:spAutoFit/>
+          </a:bodyPr>
+          <a:lstStyle/>
+          <a:p>
+            <a:pPr algn="just"/>
+            <a:r>
+              <a:rPr lang="en-US" sz="3600" dirty="0" smtClean="0"/>
+              <a:t>Retention time prediction is an issue that has been existing for 40 years. More than precision,  what we really lack in order to make targeted proteomics really efficient and used by companies is an algorithm which is both able to explain what are the peptide/protocol properties with the biggest influence on the retention time AND to adapt to other experimental setups.</a:t>
+            </a:r>
+          </a:p>
+          <a:p>
+            <a:pPr algn="just"/>
+            <a:r>
+              <a:rPr lang="en-US" sz="3600" dirty="0" smtClean="0"/>
+              <a:t>Our plan is to develop such an algorithm, and we expect to find differences in the relevant properties </a:t>
+            </a:r>
+            <a:r>
+              <a:rPr lang="en-US" sz="3600" dirty="0" smtClean="0"/>
+              <a:t> at </a:t>
+            </a:r>
+            <a:r>
+              <a:rPr lang="en-US" sz="3600" dirty="0" smtClean="0"/>
+              <a:t>different peptide lengths.</a:t>
+            </a:r>
+            <a:endParaRPr lang="en-US" sz="3600" dirty="0"/>
+          </a:p>
+        </p:txBody>
+      </p:sp>
+      <p:sp>
+        <p:nvSpPr>
+          <p:cNvPr id="12" name="TextBox 11"/>
+          <p:cNvSpPr txBox="1"/>
+          <p:nvPr/>
+        </p:nvSpPr>
+        <p:spPr>
+          <a:xfrm>
+            <a:off x="1036635" y="33627680"/>
+            <a:ext cx="13182600" cy="3970318"/>
+          </a:xfrm>
+          <a:prstGeom prst="rect">
+            <a:avLst/>
+          </a:prstGeom>
+          <a:noFill/>
+        </p:spPr>
+        <p:txBody>
+          <a:bodyPr wrap="square" rtlCol="0">
+            <a:spAutoFit/>
+          </a:bodyPr>
+          <a:lstStyle/>
+          <a:p>
+            <a:pPr algn="just"/>
+            <a:r>
+              <a:rPr lang="en-US" sz="3600" dirty="0" smtClean="0"/>
+              <a:t>For each lab, we separate the gradient in </a:t>
+            </a:r>
+            <a:r>
+              <a:rPr lang="en-US" sz="3600" dirty="0" smtClean="0"/>
+              <a:t>800 </a:t>
+            </a:r>
+            <a:r>
+              <a:rPr lang="en-US" sz="3600" dirty="0" smtClean="0"/>
+              <a:t>seconds interval, and we compute the 95% centile of the error at the sample level.  Each boxplot represents those centile by lab and by gradient interval.</a:t>
+            </a:r>
+          </a:p>
+          <a:p>
+            <a:pPr algn="just"/>
+            <a:r>
+              <a:rPr lang="en-US" sz="3600" dirty="0" smtClean="0"/>
+              <a:t>We see </a:t>
+            </a:r>
+            <a:r>
+              <a:rPr lang="en-US" sz="3600" dirty="0"/>
+              <a:t>that the error in the prediction is lower and more stable in the middle of the gradient, but it is partly due to the higher understanding from ELUDE in this part of the gradient of the relationship between peptide properties and retention time.  </a:t>
+            </a:r>
+          </a:p>
+        </p:txBody>
+      </p:sp>
+      <p:sp>
+        <p:nvSpPr>
+          <p:cNvPr id="14" name="TextBox 13"/>
+          <p:cNvSpPr txBox="1"/>
+          <p:nvPr/>
+        </p:nvSpPr>
+        <p:spPr>
+          <a:xfrm>
+            <a:off x="9327132" y="8037056"/>
+            <a:ext cx="11811000" cy="1015663"/>
+          </a:xfrm>
+          <a:prstGeom prst="rect">
+            <a:avLst/>
+          </a:prstGeom>
+          <a:noFill/>
+        </p:spPr>
+        <p:txBody>
+          <a:bodyPr wrap="square" rtlCol="0">
+            <a:spAutoFit/>
+          </a:bodyPr>
+          <a:lstStyle/>
+          <a:p>
+            <a:pPr algn="ctr">
+              <a:spcAft>
+                <a:spcPts val="1451"/>
+              </a:spcAft>
+            </a:pPr>
+            <a:r>
+              <a:rPr lang="nl-BE" sz="6000" b="1" dirty="0"/>
+              <a:t>Introduction</a:t>
+            </a:r>
+          </a:p>
+        </p:txBody>
+      </p:sp>
+      <p:sp>
+        <p:nvSpPr>
+          <p:cNvPr id="16" name="TextBox 15"/>
+          <p:cNvSpPr txBox="1"/>
+          <p:nvPr/>
+        </p:nvSpPr>
+        <p:spPr>
+          <a:xfrm>
+            <a:off x="15443357" y="15553301"/>
+            <a:ext cx="13787280" cy="5632311"/>
+          </a:xfrm>
+          <a:prstGeom prst="rect">
+            <a:avLst/>
+          </a:prstGeom>
+          <a:noFill/>
+        </p:spPr>
+        <p:txBody>
+          <a:bodyPr wrap="square" rtlCol="0">
+            <a:spAutoFit/>
+          </a:bodyPr>
+          <a:lstStyle/>
+          <a:p>
+            <a:pPr algn="just"/>
+            <a:r>
+              <a:rPr lang="en-US" sz="3600" dirty="0"/>
+              <a:t>Moreover, the prediction error does not change that much along the gradient to justify a thinner time width on transition scheduling.</a:t>
+            </a:r>
+          </a:p>
+          <a:p>
+            <a:pPr algn="just"/>
+            <a:endParaRPr lang="en-US" sz="3600" dirty="0" smtClean="0"/>
+          </a:p>
+          <a:p>
+            <a:pPr algn="just"/>
+            <a:r>
+              <a:rPr lang="en-US" sz="3600" dirty="0" smtClean="0"/>
+              <a:t>Fig.2 </a:t>
+            </a:r>
+            <a:r>
+              <a:rPr lang="en-US" sz="3600" dirty="0"/>
+              <a:t>shows for each sample and technical replicate from lab2 the evolution of the number of proteins identified as we move further in the gradient. The retention time shown on the x-axis starts at 900 seconds and stops at 6100 seconds: no further protein is identified between 6100 and 8100 seconds, but it is due to the fact that no MS2 spectra are recorded in this interval.</a:t>
+            </a:r>
+          </a:p>
+          <a:p>
+            <a:endParaRPr lang="en-US" sz="3600" dirty="0"/>
+          </a:p>
+        </p:txBody>
+      </p:sp>
+      <p:cxnSp>
+        <p:nvCxnSpPr>
+          <p:cNvPr id="39" name="Straight Connector 38"/>
+          <p:cNvCxnSpPr/>
+          <p:nvPr/>
+        </p:nvCxnSpPr>
+        <p:spPr>
+          <a:xfrm flipH="1">
+            <a:off x="523008" y="14989911"/>
+            <a:ext cx="29078237" cy="0"/>
+          </a:xfrm>
+          <a:prstGeom prst="line">
+            <a:avLst/>
+          </a:prstGeom>
+          <a:ln w="28575">
+            <a:solidFill>
+              <a:schemeClr val="tx1"/>
+            </a:solidFill>
+          </a:ln>
+        </p:spPr>
+        <p:style>
+          <a:lnRef idx="1">
+            <a:schemeClr val="accent1"/>
+          </a:lnRef>
+          <a:fillRef idx="0">
+            <a:schemeClr val="accent1"/>
+          </a:fillRef>
+          <a:effectRef idx="0">
+            <a:schemeClr val="accent1"/>
+          </a:effectRef>
+          <a:fontRef idx="minor">
+            <a:schemeClr val="tx1"/>
+          </a:fontRef>
+        </p:style>
+      </p:cxnSp>
       <p:pic>
         <p:nvPicPr>
-          <p:cNvPr id="4" name="Picture 3"/>
+          <p:cNvPr id="17" name="Picture 16"/>
           <p:cNvPicPr>
             <a:picLocks noChangeAspect="1"/>
           </p:cNvPicPr>
@@ -4217,8 +4426,8 @@
         </p:blipFill>
         <p:spPr>
           <a:xfrm>
-            <a:off x="1194577" y="23775708"/>
-            <a:ext cx="13182601" cy="8259101"/>
+            <a:off x="1036635" y="24085491"/>
+            <a:ext cx="13257154" cy="7446228"/>
           </a:xfrm>
           <a:prstGeom prst="rect">
             <a:avLst/>
@@ -4227,7 +4436,7 @@
       </p:pic>
       <p:pic>
         <p:nvPicPr>
-          <p:cNvPr id="7" name="Picture 6"/>
+          <p:cNvPr id="19" name="Picture 18"/>
           <p:cNvPicPr>
             <a:picLocks noChangeAspect="1"/>
           </p:cNvPicPr>
@@ -4247,229 +4456,14 @@
         </p:blipFill>
         <p:spPr>
           <a:xfrm>
-            <a:off x="15977692" y="19523619"/>
-            <a:ext cx="12837708" cy="7620000"/>
+            <a:off x="15649375" y="20939919"/>
+            <a:ext cx="13622682" cy="7282200"/>
           </a:xfrm>
           <a:prstGeom prst="rect">
             <a:avLst/>
           </a:prstGeom>
         </p:spPr>
       </p:pic>
-      <p:sp>
-        <p:nvSpPr>
-          <p:cNvPr id="10" name="TextBox 9"/>
-          <p:cNvSpPr txBox="1"/>
-          <p:nvPr/>
-        </p:nvSpPr>
-        <p:spPr>
-          <a:xfrm>
-            <a:off x="15460082" y="28223261"/>
-            <a:ext cx="13624012" cy="2308324"/>
-          </a:xfrm>
-          <a:prstGeom prst="rect">
-            <a:avLst/>
-          </a:prstGeom>
-          <a:noFill/>
-        </p:spPr>
-        <p:txBody>
-          <a:bodyPr wrap="square" rtlCol="0">
-            <a:spAutoFit/>
-          </a:bodyPr>
-          <a:lstStyle/>
-          <a:p>
-            <a:pPr algn="just"/>
-            <a:r>
-              <a:rPr lang="en-US" sz="3600" dirty="0" smtClean="0"/>
-              <a:t>From an experimental point of view, reducing the gradient will affect negatively the proteome coverage. In fact, we could say that the gradient is already reduced because of the absence of MS2 spectra after 100 minutes.</a:t>
-            </a:r>
-            <a:endParaRPr lang="en-US" sz="3600" dirty="0"/>
-          </a:p>
-        </p:txBody>
-      </p:sp>
-      <p:sp>
-        <p:nvSpPr>
-          <p:cNvPr id="11" name="TextBox 10"/>
-          <p:cNvSpPr txBox="1"/>
-          <p:nvPr/>
-        </p:nvSpPr>
-        <p:spPr>
-          <a:xfrm>
-            <a:off x="15460082" y="32542427"/>
-            <a:ext cx="13950937" cy="4524315"/>
-          </a:xfrm>
-          <a:prstGeom prst="rect">
-            <a:avLst/>
-          </a:prstGeom>
-          <a:noFill/>
-        </p:spPr>
-        <p:txBody>
-          <a:bodyPr wrap="square" rtlCol="0">
-            <a:spAutoFit/>
-          </a:bodyPr>
-          <a:lstStyle/>
-          <a:p>
-            <a:pPr algn="just"/>
-            <a:r>
-              <a:rPr lang="en-US" sz="3600" dirty="0" smtClean="0"/>
-              <a:t>Retention time prediction is an issue that has been existing for 40 years. More than precision,  what we really lack in order to make targeted proteomics really efficient and used by companies is an algorithm which is both able to explain what are the peptide/protocol properties with the biggest influence on the retention time AND to adapt to other experimental setups.</a:t>
-            </a:r>
-          </a:p>
-          <a:p>
-            <a:pPr algn="just"/>
-            <a:r>
-              <a:rPr lang="en-US" sz="3600" dirty="0" smtClean="0"/>
-              <a:t>Our plan is to develop such an algorithm, and we expect to find differences in the relevant properties for different peptide lengths.</a:t>
-            </a:r>
-            <a:endParaRPr lang="en-US" sz="3600" dirty="0"/>
-          </a:p>
-        </p:txBody>
-      </p:sp>
-      <p:sp>
-        <p:nvSpPr>
-          <p:cNvPr id="12" name="TextBox 11"/>
-          <p:cNvSpPr txBox="1"/>
-          <p:nvPr/>
-        </p:nvSpPr>
-        <p:spPr>
-          <a:xfrm>
-            <a:off x="1111189" y="33073683"/>
-            <a:ext cx="13182600" cy="5632311"/>
-          </a:xfrm>
-          <a:prstGeom prst="rect">
-            <a:avLst/>
-          </a:prstGeom>
-          <a:noFill/>
-        </p:spPr>
-        <p:txBody>
-          <a:bodyPr wrap="square" rtlCol="0">
-            <a:spAutoFit/>
-          </a:bodyPr>
-          <a:lstStyle/>
-          <a:p>
-            <a:pPr algn="just"/>
-            <a:r>
-              <a:rPr lang="en-US" sz="3600" dirty="0" smtClean="0"/>
-              <a:t>For each lab, we separate the gradient in 500 seconds interval, and we compute the 95% centile of the error at the sample level.  Each boxplot represents those centile by lab and by gradient interval.</a:t>
-            </a:r>
-          </a:p>
-          <a:p>
-            <a:pPr algn="just"/>
-            <a:r>
-              <a:rPr lang="en-US" sz="3600" dirty="0" smtClean="0"/>
-              <a:t>We see </a:t>
-            </a:r>
-            <a:r>
-              <a:rPr lang="en-US" sz="3600" dirty="0"/>
-              <a:t>that the error in the prediction is lower and more stable in the middle of the gradient, but it is partly due to the higher understanding from ELUDE in this part of the gradient of the relationship between peptide properties and retention time.  Moreover, the prediction error does not change that much along the gradient to justify a thinner time width on transition scheduling.</a:t>
-            </a:r>
-          </a:p>
-          <a:p>
-            <a:endParaRPr lang="en-US" sz="3600" dirty="0"/>
-          </a:p>
-        </p:txBody>
-      </p:sp>
-      <p:sp>
-        <p:nvSpPr>
-          <p:cNvPr id="14" name="TextBox 13"/>
-          <p:cNvSpPr txBox="1"/>
-          <p:nvPr/>
-        </p:nvSpPr>
-        <p:spPr>
-          <a:xfrm>
-            <a:off x="9327132" y="7905148"/>
-            <a:ext cx="11811000" cy="1015663"/>
-          </a:xfrm>
-          <a:prstGeom prst="rect">
-            <a:avLst/>
-          </a:prstGeom>
-          <a:noFill/>
-        </p:spPr>
-        <p:txBody>
-          <a:bodyPr wrap="square" rtlCol="0">
-            <a:spAutoFit/>
-          </a:bodyPr>
-          <a:lstStyle/>
-          <a:p>
-            <a:pPr algn="ctr">
-              <a:spcAft>
-                <a:spcPts val="1451"/>
-              </a:spcAft>
-            </a:pPr>
-            <a:r>
-              <a:rPr lang="nl-BE" sz="6000" b="1" dirty="0"/>
-              <a:t>Introduction</a:t>
-            </a:r>
-          </a:p>
-        </p:txBody>
-      </p:sp>
-      <p:sp>
-        <p:nvSpPr>
-          <p:cNvPr id="16" name="TextBox 15"/>
-          <p:cNvSpPr txBox="1"/>
-          <p:nvPr/>
-        </p:nvSpPr>
-        <p:spPr>
-          <a:xfrm>
-            <a:off x="15443357" y="15553301"/>
-            <a:ext cx="13787280" cy="3970318"/>
-          </a:xfrm>
-          <a:prstGeom prst="rect">
-            <a:avLst/>
-          </a:prstGeom>
-          <a:noFill/>
-        </p:spPr>
-        <p:txBody>
-          <a:bodyPr wrap="square" rtlCol="0">
-            <a:spAutoFit/>
-          </a:bodyPr>
-          <a:lstStyle/>
-          <a:p>
-            <a:pPr algn="just"/>
-            <a:r>
-              <a:rPr lang="en-US" sz="3600" dirty="0"/>
-              <a:t>Fig.2 shows for each sample and technical replicate from lab2 the evolution of the number of proteins identified as we move further in the gradient. The retention time shown on the x-axis starts at 900 seconds and stops at 6100 seconds: no further protein is identified between 6100 and 8100 seconds, but it is due to the fact that no MS2 spectra are recorded in this interval.</a:t>
-            </a:r>
-          </a:p>
-          <a:p>
-            <a:endParaRPr lang="en-US" sz="3600" dirty="0"/>
-          </a:p>
-        </p:txBody>
-      </p:sp>
-      <p:cxnSp>
-        <p:nvCxnSpPr>
-          <p:cNvPr id="39" name="Straight Connector 38"/>
-          <p:cNvCxnSpPr/>
-          <p:nvPr/>
-        </p:nvCxnSpPr>
-        <p:spPr>
-          <a:xfrm flipH="1">
-            <a:off x="523008" y="14989911"/>
-            <a:ext cx="29078237" cy="0"/>
-          </a:xfrm>
-          <a:prstGeom prst="line">
-            <a:avLst/>
-          </a:prstGeom>
-          <a:ln w="28575">
-            <a:solidFill>
-              <a:schemeClr val="tx1"/>
-            </a:solidFill>
-          </a:ln>
-        </p:spPr>
-        <p:style>
-          <a:lnRef idx="1">
-            <a:schemeClr val="accent1"/>
-          </a:lnRef>
-          <a:fillRef idx="0">
-            <a:schemeClr val="accent1"/>
-          </a:fillRef>
-          <a:effectRef idx="0">
-            <a:schemeClr val="accent1"/>
-          </a:effectRef>
-          <a:fontRef idx="minor">
-            <a:schemeClr val="tx1"/>
-          </a:fontRef>
-        </p:style>
-      </p:cxnSp>
     </p:spTree>
     <p:extLst>
       <p:ext uri="{BB962C8B-B14F-4D97-AF65-F5344CB8AC3E}">
